--- a/img/02_part_coding_tools_and_best_practices/05_using_pipes/using_pipes.pptx
+++ b/img/02_part_coding_tools_and_best_practices/05_using_pipes/using_pipes.pptx
@@ -200,7 +200,7 @@
           <a:p>
             <a:fld id="{69063D2C-CD33-7D4C-A7A9-3D183FCC894C}" type="datetimeFigureOut">
               <a:rPr lang="en-US" smtClean="0"/>
-              <a:t>5/26/20</a:t>
+              <a:t>7/14/20</a:t>
             </a:fld>
             <a:endParaRPr lang="en-US"/>
           </a:p>
@@ -689,7 +689,7 @@
           <a:p>
             <a:r>
               <a:rPr lang="en-US" dirty="0" err="1"/>
-              <a:t>left_side</a:t>
+              <a:t>left_right</a:t>
             </a:r>
             <a:endParaRPr lang="en-US" dirty="0"/>
           </a:p>
@@ -948,7 +948,7 @@
           <a:p>
             <a:fld id="{61246A8F-4FAD-404E-8377-32132B9F7FEC}" type="datetimeFigureOut">
               <a:rPr lang="en-US" smtClean="0"/>
-              <a:t>5/26/20</a:t>
+              <a:t>7/14/20</a:t>
             </a:fld>
             <a:endParaRPr lang="en-US"/>
           </a:p>
@@ -1116,7 +1116,7 @@
           <a:p>
             <a:fld id="{61246A8F-4FAD-404E-8377-32132B9F7FEC}" type="datetimeFigureOut">
               <a:rPr lang="en-US" smtClean="0"/>
-              <a:t>5/26/20</a:t>
+              <a:t>7/14/20</a:t>
             </a:fld>
             <a:endParaRPr lang="en-US"/>
           </a:p>
@@ -1294,7 +1294,7 @@
           <a:p>
             <a:fld id="{61246A8F-4FAD-404E-8377-32132B9F7FEC}" type="datetimeFigureOut">
               <a:rPr lang="en-US" smtClean="0"/>
-              <a:t>5/26/20</a:t>
+              <a:t>7/14/20</a:t>
             </a:fld>
             <a:endParaRPr lang="en-US"/>
           </a:p>
@@ -1462,7 +1462,7 @@
           <a:p>
             <a:fld id="{61246A8F-4FAD-404E-8377-32132B9F7FEC}" type="datetimeFigureOut">
               <a:rPr lang="en-US" smtClean="0"/>
-              <a:t>5/26/20</a:t>
+              <a:t>7/14/20</a:t>
             </a:fld>
             <a:endParaRPr lang="en-US"/>
           </a:p>
@@ -1707,7 +1707,7 @@
           <a:p>
             <a:fld id="{61246A8F-4FAD-404E-8377-32132B9F7FEC}" type="datetimeFigureOut">
               <a:rPr lang="en-US" smtClean="0"/>
-              <a:t>5/26/20</a:t>
+              <a:t>7/14/20</a:t>
             </a:fld>
             <a:endParaRPr lang="en-US"/>
           </a:p>
@@ -1936,7 +1936,7 @@
           <a:p>
             <a:fld id="{61246A8F-4FAD-404E-8377-32132B9F7FEC}" type="datetimeFigureOut">
               <a:rPr lang="en-US" smtClean="0"/>
-              <a:t>5/26/20</a:t>
+              <a:t>7/14/20</a:t>
             </a:fld>
             <a:endParaRPr lang="en-US"/>
           </a:p>
@@ -2300,7 +2300,7 @@
           <a:p>
             <a:fld id="{61246A8F-4FAD-404E-8377-32132B9F7FEC}" type="datetimeFigureOut">
               <a:rPr lang="en-US" smtClean="0"/>
-              <a:t>5/26/20</a:t>
+              <a:t>7/14/20</a:t>
             </a:fld>
             <a:endParaRPr lang="en-US"/>
           </a:p>
@@ -2417,7 +2417,7 @@
           <a:p>
             <a:fld id="{61246A8F-4FAD-404E-8377-32132B9F7FEC}" type="datetimeFigureOut">
               <a:rPr lang="en-US" smtClean="0"/>
-              <a:t>5/26/20</a:t>
+              <a:t>7/14/20</a:t>
             </a:fld>
             <a:endParaRPr lang="en-US"/>
           </a:p>
@@ -2512,7 +2512,7 @@
           <a:p>
             <a:fld id="{61246A8F-4FAD-404E-8377-32132B9F7FEC}" type="datetimeFigureOut">
               <a:rPr lang="en-US" smtClean="0"/>
-              <a:t>5/26/20</a:t>
+              <a:t>7/14/20</a:t>
             </a:fld>
             <a:endParaRPr lang="en-US"/>
           </a:p>
@@ -2787,7 +2787,7 @@
           <a:p>
             <a:fld id="{61246A8F-4FAD-404E-8377-32132B9F7FEC}" type="datetimeFigureOut">
               <a:rPr lang="en-US" smtClean="0"/>
-              <a:t>5/26/20</a:t>
+              <a:t>7/14/20</a:t>
             </a:fld>
             <a:endParaRPr lang="en-US"/>
           </a:p>
@@ -3039,7 +3039,7 @@
           <a:p>
             <a:fld id="{61246A8F-4FAD-404E-8377-32132B9F7FEC}" type="datetimeFigureOut">
               <a:rPr lang="en-US" smtClean="0"/>
-              <a:t>5/26/20</a:t>
+              <a:t>7/14/20</a:t>
             </a:fld>
             <a:endParaRPr lang="en-US"/>
           </a:p>
@@ -3250,7 +3250,7 @@
           <a:p>
             <a:fld id="{61246A8F-4FAD-404E-8377-32132B9F7FEC}" type="datetimeFigureOut">
               <a:rPr lang="en-US" smtClean="0"/>
-              <a:t>5/26/20</a:t>
+              <a:t>7/14/20</a:t>
             </a:fld>
             <a:endParaRPr lang="en-US"/>
           </a:p>
